--- a/static/imgs/logo.pptx
+++ b/static/imgs/logo.pptx
@@ -107,7 +107,7 @@
   </p:defaultTextStyle>
   <p:extLst>
     <p:ext uri="{EFAFB233-063F-42B5-8137-9DF3F51BA10A}">
-      <p15:sldGuideLst xmlns:p15="http://schemas.microsoft.com/office/powerpoint/2012/main">
+      <p15:sldGuideLst xmlns="" xmlns:p15="http://schemas.microsoft.com/office/powerpoint/2012/main">
         <p15:guide id="1" orient="horz" pos="2160" userDrawn="1">
           <p15:clr>
             <a:srgbClr val="A4A3A4"/>
@@ -255,7 +255,7 @@
           <a:p>
             <a:fld id="{E8D34DDD-62A1-44F4-9F5F-00E41793E705}" type="datetimeFigureOut">
               <a:rPr kumimoji="1" lang="ja-JP" altLang="en-US" smtClean="0"/>
-              <a:t>2020/1/21</a:t>
+              <a:t>2020/1/22</a:t>
             </a:fld>
             <a:endParaRPr kumimoji="1" lang="ja-JP" altLang="en-US"/>
           </a:p>
@@ -457,7 +457,7 @@
           <a:p>
             <a:fld id="{E8D34DDD-62A1-44F4-9F5F-00E41793E705}" type="datetimeFigureOut">
               <a:rPr kumimoji="1" lang="ja-JP" altLang="en-US" smtClean="0"/>
-              <a:t>2020/1/21</a:t>
+              <a:t>2020/1/22</a:t>
             </a:fld>
             <a:endParaRPr kumimoji="1" lang="ja-JP" altLang="en-US"/>
           </a:p>
@@ -669,7 +669,7 @@
           <a:p>
             <a:fld id="{E8D34DDD-62A1-44F4-9F5F-00E41793E705}" type="datetimeFigureOut">
               <a:rPr kumimoji="1" lang="ja-JP" altLang="en-US" smtClean="0"/>
-              <a:t>2020/1/21</a:t>
+              <a:t>2020/1/22</a:t>
             </a:fld>
             <a:endParaRPr kumimoji="1" lang="ja-JP" altLang="en-US"/>
           </a:p>
@@ -871,7 +871,7 @@
           <a:p>
             <a:fld id="{E8D34DDD-62A1-44F4-9F5F-00E41793E705}" type="datetimeFigureOut">
               <a:rPr kumimoji="1" lang="ja-JP" altLang="en-US" smtClean="0"/>
-              <a:t>2020/1/21</a:t>
+              <a:t>2020/1/22</a:t>
             </a:fld>
             <a:endParaRPr kumimoji="1" lang="ja-JP" altLang="en-US"/>
           </a:p>
@@ -1117,7 +1117,7 @@
           <a:p>
             <a:fld id="{E8D34DDD-62A1-44F4-9F5F-00E41793E705}" type="datetimeFigureOut">
               <a:rPr kumimoji="1" lang="ja-JP" altLang="en-US" smtClean="0"/>
-              <a:t>2020/1/21</a:t>
+              <a:t>2020/1/22</a:t>
             </a:fld>
             <a:endParaRPr kumimoji="1" lang="ja-JP" altLang="en-US"/>
           </a:p>
@@ -1413,7 +1413,7 @@
           <a:p>
             <a:fld id="{E8D34DDD-62A1-44F4-9F5F-00E41793E705}" type="datetimeFigureOut">
               <a:rPr kumimoji="1" lang="ja-JP" altLang="en-US" smtClean="0"/>
-              <a:t>2020/1/21</a:t>
+              <a:t>2020/1/22</a:t>
             </a:fld>
             <a:endParaRPr kumimoji="1" lang="ja-JP" altLang="en-US"/>
           </a:p>
@@ -1844,7 +1844,7 @@
           <a:p>
             <a:fld id="{E8D34DDD-62A1-44F4-9F5F-00E41793E705}" type="datetimeFigureOut">
               <a:rPr kumimoji="1" lang="ja-JP" altLang="en-US" smtClean="0"/>
-              <a:t>2020/1/21</a:t>
+              <a:t>2020/1/22</a:t>
             </a:fld>
             <a:endParaRPr kumimoji="1" lang="ja-JP" altLang="en-US"/>
           </a:p>
@@ -1962,7 +1962,7 @@
           <a:p>
             <a:fld id="{E8D34DDD-62A1-44F4-9F5F-00E41793E705}" type="datetimeFigureOut">
               <a:rPr kumimoji="1" lang="ja-JP" altLang="en-US" smtClean="0"/>
-              <a:t>2020/1/21</a:t>
+              <a:t>2020/1/22</a:t>
             </a:fld>
             <a:endParaRPr kumimoji="1" lang="ja-JP" altLang="en-US"/>
           </a:p>
@@ -2057,7 +2057,7 @@
           <a:p>
             <a:fld id="{E8D34DDD-62A1-44F4-9F5F-00E41793E705}" type="datetimeFigureOut">
               <a:rPr kumimoji="1" lang="ja-JP" altLang="en-US" smtClean="0"/>
-              <a:t>2020/1/21</a:t>
+              <a:t>2020/1/22</a:t>
             </a:fld>
             <a:endParaRPr kumimoji="1" lang="ja-JP" altLang="en-US"/>
           </a:p>
@@ -2366,7 +2366,7 @@
           <a:p>
             <a:fld id="{E8D34DDD-62A1-44F4-9F5F-00E41793E705}" type="datetimeFigureOut">
               <a:rPr kumimoji="1" lang="ja-JP" altLang="en-US" smtClean="0"/>
-              <a:t>2020/1/21</a:t>
+              <a:t>2020/1/22</a:t>
             </a:fld>
             <a:endParaRPr kumimoji="1" lang="ja-JP" altLang="en-US"/>
           </a:p>
@@ -2619,7 +2619,7 @@
           <a:p>
             <a:fld id="{E8D34DDD-62A1-44F4-9F5F-00E41793E705}" type="datetimeFigureOut">
               <a:rPr kumimoji="1" lang="ja-JP" altLang="en-US" smtClean="0"/>
-              <a:t>2020/1/21</a:t>
+              <a:t>2020/1/22</a:t>
             </a:fld>
             <a:endParaRPr kumimoji="1" lang="ja-JP" altLang="en-US"/>
           </a:p>
@@ -2864,7 +2864,7 @@
           <a:p>
             <a:fld id="{E8D34DDD-62A1-44F4-9F5F-00E41793E705}" type="datetimeFigureOut">
               <a:rPr kumimoji="1" lang="ja-JP" altLang="en-US" smtClean="0"/>
-              <a:t>2020/1/21</a:t>
+              <a:t>2020/1/22</a:t>
             </a:fld>
             <a:endParaRPr kumimoji="1" lang="ja-JP" altLang="en-US"/>
           </a:p>
@@ -3346,7 +3346,7 @@
       </p:grpSpPr>
       <p:grpSp>
         <p:nvGrpSpPr>
-          <p:cNvPr id="16" name="グループ化 15"/>
+          <p:cNvPr id="2" name="グループ化 1"/>
           <p:cNvGrpSpPr/>
           <p:nvPr/>
         </p:nvGrpSpPr>
@@ -3503,8 +3503,26 @@
           </p:nvPicPr>
           <p:blipFill rotWithShape="1">
             <a:blip r:embed="rId2">
-              <a:biLevel thresh="75000"/>
+              <a:duotone>
+                <a:schemeClr val="bg2">
+                  <a:shade val="45000"/>
+                  <a:satMod val="135000"/>
+                </a:schemeClr>
+                <a:prstClr val="white"/>
+              </a:duotone>
               <a:extLst>
+                <a:ext uri="{BEBA8EAE-BF5A-486C-A8C5-ECC9F3942E4B}">
+                  <a14:imgProps xmlns:a14="http://schemas.microsoft.com/office/drawing/2010/main">
+                    <a14:imgLayer r:embed="rId3">
+                      <a14:imgEffect>
+                        <a14:colorTemperature colorTemp="11200"/>
+                      </a14:imgEffect>
+                      <a14:imgEffect>
+                        <a14:saturation sat="400000"/>
+                      </a14:imgEffect>
+                    </a14:imgLayer>
+                  </a14:imgProps>
+                </a:ext>
                 <a:ext uri="{28A0092B-C50C-407E-A947-70E740481C1C}">
                   <a14:useLocalDpi xmlns:a14="http://schemas.microsoft.com/office/drawing/2010/main" val="0"/>
                 </a:ext>
@@ -3542,7 +3560,18 @@
             <p:nvPr/>
           </p:nvPicPr>
           <p:blipFill rotWithShape="1">
-            <a:blip r:embed="rId3">
+            <a:blip r:embed="rId4">
+              <a:clrChange>
+                <a:clrFrom>
+                  <a:srgbClr val="FEFEFE"/>
+                </a:clrFrom>
+                <a:clrTo>
+                  <a:srgbClr val="FEFEFE">
+                    <a:alpha val="0"/>
+                  </a:srgbClr>
+                </a:clrTo>
+              </a:clrChange>
+              <a:lum bright="70000" contrast="-70000"/>
               <a:extLst>
                 <a:ext uri="{28A0092B-C50C-407E-A947-70E740481C1C}">
                   <a14:useLocalDpi xmlns:a14="http://schemas.microsoft.com/office/drawing/2010/main" val="0"/>
@@ -3597,23 +3626,11 @@
               <a:pPr algn="ctr"/>
               <a:r>
                 <a:rPr lang="en-US" altLang="ja-JP" sz="700" dirty="0" smtClean="0">
-                  <a:solidFill>
-                    <a:schemeClr val="accent4">
-                      <a:lumMod val="60000"/>
-                      <a:lumOff val="40000"/>
-                    </a:schemeClr>
-                  </a:solidFill>
                   <a:latin typeface="Adobe Caslon Pro Bold" panose="0205070206050A020403" pitchFamily="18" charset="0"/>
                 </a:rPr>
                 <a:t>TEXT ANALYZER</a:t>
               </a:r>
               <a:endParaRPr lang="ja-JP" altLang="en-US" sz="700" dirty="0">
-                <a:solidFill>
-                  <a:schemeClr val="accent4">
-                    <a:lumMod val="60000"/>
-                    <a:lumOff val="40000"/>
-                  </a:schemeClr>
-                </a:solidFill>
                 <a:latin typeface="Adobe Caslon Pro Bold" panose="0205070206050A020403" pitchFamily="18" charset="0"/>
               </a:endParaRPr>
             </a:p>
@@ -3895,7 +3912,7 @@
   <a:extraClrSchemeLst/>
   <a:extLst>
     <a:ext uri="{05A4C25C-085E-4340-85A3-A5531E510DB2}">
-      <thm15:themeFamily xmlns:thm15="http://schemas.microsoft.com/office/thememl/2012/main" name="Office Theme" id="{62F939B6-93AF-4DB8-9C6B-D6C7DFDC589F}" vid="{4A3C46E8-61CC-4603-A589-7422A47A8E4A}"/>
+      <thm15:themeFamily xmlns="" xmlns:thm15="http://schemas.microsoft.com/office/thememl/2012/main" name="Office Theme" id="{62F939B6-93AF-4DB8-9C6B-D6C7DFDC589F}" vid="{4A3C46E8-61CC-4603-A589-7422A47A8E4A}"/>
     </a:ext>
   </a:extLst>
 </a:theme>
